--- a/Simulation/MPC/Sunumlar/MPC_sunum_week44.pptx
+++ b/Simulation/MPC/Sunumlar/MPC_sunum_week44.pptx
@@ -115,6 +115,11 @@
       </a:defRPr>
     </a:lvl9pPr>
   </p:defaultTextStyle>
+  <p:extLst>
+    <p:ext uri="{EFAFB233-063F-42B5-8137-9DF3F51BA10A}">
+      <p15:sldGuideLst xmlns:p15="http://schemas.microsoft.com/office/powerpoint/2012/main"/>
+    </p:ext>
+  </p:extLst>
 </p:presentation>
 </file>
 
@@ -265,7 +270,7 @@
           <a:p>
             <a:fld id="{F142C53B-C2C1-44E3-AC12-604A7FE2CADF}" type="datetimeFigureOut">
               <a:rPr lang="tr-TR" smtClean="0"/>
-              <a:t>27.10.2020</a:t>
+              <a:t>1.11.2020</a:t>
             </a:fld>
             <a:endParaRPr lang="tr-TR"/>
           </a:p>
@@ -463,7 +468,7 @@
           <a:p>
             <a:fld id="{F142C53B-C2C1-44E3-AC12-604A7FE2CADF}" type="datetimeFigureOut">
               <a:rPr lang="tr-TR" smtClean="0"/>
-              <a:t>27.10.2020</a:t>
+              <a:t>1.11.2020</a:t>
             </a:fld>
             <a:endParaRPr lang="tr-TR"/>
           </a:p>
@@ -671,7 +676,7 @@
           <a:p>
             <a:fld id="{F142C53B-C2C1-44E3-AC12-604A7FE2CADF}" type="datetimeFigureOut">
               <a:rPr lang="tr-TR" smtClean="0"/>
-              <a:t>27.10.2020</a:t>
+              <a:t>1.11.2020</a:t>
             </a:fld>
             <a:endParaRPr lang="tr-TR"/>
           </a:p>
@@ -869,7 +874,7 @@
           <a:p>
             <a:fld id="{F142C53B-C2C1-44E3-AC12-604A7FE2CADF}" type="datetimeFigureOut">
               <a:rPr lang="tr-TR" smtClean="0"/>
-              <a:t>27.10.2020</a:t>
+              <a:t>1.11.2020</a:t>
             </a:fld>
             <a:endParaRPr lang="tr-TR"/>
           </a:p>
@@ -1144,7 +1149,7 @@
           <a:p>
             <a:fld id="{F142C53B-C2C1-44E3-AC12-604A7FE2CADF}" type="datetimeFigureOut">
               <a:rPr lang="tr-TR" smtClean="0"/>
-              <a:t>27.10.2020</a:t>
+              <a:t>1.11.2020</a:t>
             </a:fld>
             <a:endParaRPr lang="tr-TR"/>
           </a:p>
@@ -1409,7 +1414,7 @@
           <a:p>
             <a:fld id="{F142C53B-C2C1-44E3-AC12-604A7FE2CADF}" type="datetimeFigureOut">
               <a:rPr lang="tr-TR" smtClean="0"/>
-              <a:t>27.10.2020</a:t>
+              <a:t>1.11.2020</a:t>
             </a:fld>
             <a:endParaRPr lang="tr-TR"/>
           </a:p>
@@ -1821,7 +1826,7 @@
           <a:p>
             <a:fld id="{F142C53B-C2C1-44E3-AC12-604A7FE2CADF}" type="datetimeFigureOut">
               <a:rPr lang="tr-TR" smtClean="0"/>
-              <a:t>27.10.2020</a:t>
+              <a:t>1.11.2020</a:t>
             </a:fld>
             <a:endParaRPr lang="tr-TR"/>
           </a:p>
@@ -1962,7 +1967,7 @@
           <a:p>
             <a:fld id="{F142C53B-C2C1-44E3-AC12-604A7FE2CADF}" type="datetimeFigureOut">
               <a:rPr lang="tr-TR" smtClean="0"/>
-              <a:t>27.10.2020</a:t>
+              <a:t>1.11.2020</a:t>
             </a:fld>
             <a:endParaRPr lang="tr-TR"/>
           </a:p>
@@ -2075,7 +2080,7 @@
           <a:p>
             <a:fld id="{F142C53B-C2C1-44E3-AC12-604A7FE2CADF}" type="datetimeFigureOut">
               <a:rPr lang="tr-TR" smtClean="0"/>
-              <a:t>27.10.2020</a:t>
+              <a:t>1.11.2020</a:t>
             </a:fld>
             <a:endParaRPr lang="tr-TR"/>
           </a:p>
@@ -2386,7 +2391,7 @@
           <a:p>
             <a:fld id="{F142C53B-C2C1-44E3-AC12-604A7FE2CADF}" type="datetimeFigureOut">
               <a:rPr lang="tr-TR" smtClean="0"/>
-              <a:t>27.10.2020</a:t>
+              <a:t>1.11.2020</a:t>
             </a:fld>
             <a:endParaRPr lang="tr-TR"/>
           </a:p>
@@ -2674,7 +2679,7 @@
           <a:p>
             <a:fld id="{F142C53B-C2C1-44E3-AC12-604A7FE2CADF}" type="datetimeFigureOut">
               <a:rPr lang="tr-TR" smtClean="0"/>
-              <a:t>27.10.2020</a:t>
+              <a:t>1.11.2020</a:t>
             </a:fld>
             <a:endParaRPr lang="tr-TR"/>
           </a:p>
@@ -2915,7 +2920,7 @@
           <a:p>
             <a:fld id="{F142C53B-C2C1-44E3-AC12-604A7FE2CADF}" type="datetimeFigureOut">
               <a:rPr lang="tr-TR" smtClean="0"/>
-              <a:t>27.10.2020</a:t>
+              <a:t>1.11.2020</a:t>
             </a:fld>
             <a:endParaRPr lang="tr-TR"/>
           </a:p>
@@ -3530,10 +3535,10 @@
       </p:sp>
       <p:graphicFrame>
         <p:nvGraphicFramePr>
-          <p:cNvPr id="4" name="İçerik Yer Tutucusu 3">
-            <a:extLst>
-              <a:ext uri="{FF2B5EF4-FFF2-40B4-BE49-F238E27FC236}">
-                <a16:creationId xmlns:a16="http://schemas.microsoft.com/office/drawing/2014/main" id="{3AF13B38-CEBA-4C8D-B162-AD3F44721A0B}"/>
+          <p:cNvPr id="9" name="İçerik Yer Tutucusu 8">
+            <a:extLst>
+              <a:ext uri="{FF2B5EF4-FFF2-40B4-BE49-F238E27FC236}">
+                <a16:creationId xmlns:a16="http://schemas.microsoft.com/office/drawing/2014/main" id="{F7DA3DE5-0872-4D58-A0B6-B8029B62F5A7}"/>
               </a:ext>
             </a:extLst>
           </p:cNvPr>
@@ -3544,45 +3549,45 @@
             <p:ph idx="1"/>
             <p:extLst>
               <p:ext uri="{D42A27DB-BD31-4B8C-83A1-F6EECF244321}">
-                <p14:modId xmlns:p14="http://schemas.microsoft.com/office/powerpoint/2010/main" val="2026146760"/>
+                <p14:modId xmlns:p14="http://schemas.microsoft.com/office/powerpoint/2010/main" val="3145742646"/>
               </p:ext>
             </p:extLst>
           </p:nvPr>
         </p:nvGraphicFramePr>
         <p:xfrm>
-          <a:off x="1895474" y="2984024"/>
-          <a:ext cx="8029575" cy="1760220"/>
+          <a:off x="2385753" y="2397284"/>
+          <a:ext cx="7805651" cy="3809177"/>
         </p:xfrm>
         <a:graphic>
           <a:graphicData uri="http://schemas.openxmlformats.org/drawingml/2006/table">
             <a:tbl>
               <a:tblPr/>
               <a:tblGrid>
-                <a:gridCol w="2984325">
+                <a:gridCol w="3714923">
                   <a:extLst>
                     <a:ext uri="{9D8B030D-6E8A-4147-A177-3AD203B41FA5}">
-                      <a16:colId xmlns:a16="http://schemas.microsoft.com/office/drawing/2014/main" val="3764581451"/>
+                      <a16:colId xmlns:a16="http://schemas.microsoft.com/office/drawing/2014/main" val="626775223"/>
                     </a:ext>
                   </a:extLst>
                 </a:gridCol>
-                <a:gridCol w="1672828">
+                <a:gridCol w="1190625">
                   <a:extLst>
                     <a:ext uri="{9D8B030D-6E8A-4147-A177-3AD203B41FA5}">
-                      <a16:colId xmlns:a16="http://schemas.microsoft.com/office/drawing/2014/main" val="830612229"/>
+                      <a16:colId xmlns:a16="http://schemas.microsoft.com/office/drawing/2014/main" val="2205562700"/>
                     </a:ext>
                   </a:extLst>
                 </a:gridCol>
-                <a:gridCol w="2034159">
+                <a:gridCol w="1447800">
                   <a:extLst>
                     <a:ext uri="{9D8B030D-6E8A-4147-A177-3AD203B41FA5}">
-                      <a16:colId xmlns:a16="http://schemas.microsoft.com/office/drawing/2014/main" val="2627283285"/>
+                      <a16:colId xmlns:a16="http://schemas.microsoft.com/office/drawing/2014/main" val="3028202071"/>
                     </a:ext>
                   </a:extLst>
                 </a:gridCol>
-                <a:gridCol w="1338263">
+                <a:gridCol w="1452303">
                   <a:extLst>
                     <a:ext uri="{9D8B030D-6E8A-4147-A177-3AD203B41FA5}">
-                      <a16:colId xmlns:a16="http://schemas.microsoft.com/office/drawing/2014/main" val="2340859547"/>
+                      <a16:colId xmlns:a16="http://schemas.microsoft.com/office/drawing/2014/main" val="3622950136"/>
                     </a:ext>
                   </a:extLst>
                 </a:gridCol>
@@ -3593,8 +3598,8 @@
                     <a:bodyPr/>
                     <a:lstStyle/>
                     <a:p>
-                      <a:pPr rtl="0" fontAlgn="b"/>
-                      <a:endParaRPr lang="tr-TR">
+                      <a:pPr algn="l" rtl="0" fontAlgn="b"/>
+                      <a:endParaRPr lang="tr-TR" dirty="0">
                         <a:effectLst/>
                       </a:endParaRPr>
                     </a:p>
@@ -3643,178 +3648,12 @@
                     <a:bodyPr/>
                     <a:lstStyle/>
                     <a:p>
-                      <a:pPr rtl="0" fontAlgn="b"/>
-                      <a:r>
-                        <a:rPr lang="tr-TR">
-                          <a:effectLst/>
-                        </a:rPr>
-                        <a:t>Equal Torque Share</a:t>
-                      </a:r>
-                    </a:p>
-                  </a:txBody>
-                  <a:tcPr marL="28575" marR="28575" marT="19050" marB="19050" anchor="b">
-                    <a:lnL w="9525" cap="flat" cmpd="sng" algn="ctr">
-                      <a:solidFill>
-                        <a:srgbClr val="CCCCCC"/>
-                      </a:solidFill>
-                      <a:prstDash val="solid"/>
-                      <a:round/>
-                      <a:headEnd type="none" w="med" len="med"/>
-                      <a:tailEnd type="none" w="med" len="med"/>
-                    </a:lnL>
-                    <a:lnR w="9525" cap="flat" cmpd="sng" algn="ctr">
-                      <a:solidFill>
-                        <a:srgbClr val="CCCCCC"/>
-                      </a:solidFill>
-                      <a:prstDash val="solid"/>
-                      <a:round/>
-                      <a:headEnd type="none" w="med" len="med"/>
-                      <a:tailEnd type="none" w="med" len="med"/>
-                    </a:lnR>
-                    <a:lnT w="9525" cap="flat" cmpd="sng" algn="ctr">
-                      <a:solidFill>
-                        <a:srgbClr val="000000"/>
-                      </a:solidFill>
-                      <a:prstDash val="solid"/>
-                      <a:round/>
-                      <a:headEnd type="none" w="med" len="med"/>
-                      <a:tailEnd type="none" w="med" len="med"/>
-                    </a:lnT>
-                    <a:lnB w="9525" cap="flat" cmpd="sng" algn="ctr">
-                      <a:solidFill>
-                        <a:srgbClr val="CCCCCC"/>
-                      </a:solidFill>
-                      <a:prstDash val="solid"/>
-                      <a:round/>
-                      <a:headEnd type="none" w="med" len="med"/>
-                      <a:tailEnd type="none" w="med" len="med"/>
-                    </a:lnB>
-                  </a:tcPr>
-                </a:tc>
-                <a:tc>
-                  <a:txBody>
-                    <a:bodyPr/>
-                    <a:lstStyle/>
-                    <a:p>
-                      <a:pPr rtl="0" fontAlgn="b"/>
-                      <a:r>
-                        <a:rPr lang="tr-TR">
-                          <a:effectLst/>
-                        </a:rPr>
-                        <a:t>Distribution Prosed in [1]</a:t>
-                      </a:r>
-                    </a:p>
-                  </a:txBody>
-                  <a:tcPr marL="28575" marR="28575" marT="19050" marB="19050" anchor="b">
-                    <a:lnL w="9525" cap="flat" cmpd="sng" algn="ctr">
-                      <a:solidFill>
-                        <a:srgbClr val="CCCCCC"/>
-                      </a:solidFill>
-                      <a:prstDash val="solid"/>
-                      <a:round/>
-                      <a:headEnd type="none" w="med" len="med"/>
-                      <a:tailEnd type="none" w="med" len="med"/>
-                    </a:lnL>
-                    <a:lnR w="9525" cap="flat" cmpd="sng" algn="ctr">
-                      <a:solidFill>
-                        <a:srgbClr val="CCCCCC"/>
-                      </a:solidFill>
-                      <a:prstDash val="solid"/>
-                      <a:round/>
-                      <a:headEnd type="none" w="med" len="med"/>
-                      <a:tailEnd type="none" w="med" len="med"/>
-                    </a:lnR>
-                    <a:lnT w="9525" cap="flat" cmpd="sng" algn="ctr">
-                      <a:solidFill>
-                        <a:srgbClr val="000000"/>
-                      </a:solidFill>
-                      <a:prstDash val="solid"/>
-                      <a:round/>
-                      <a:headEnd type="none" w="med" len="med"/>
-                      <a:tailEnd type="none" w="med" len="med"/>
-                    </a:lnT>
-                    <a:lnB w="9525" cap="flat" cmpd="sng" algn="ctr">
-                      <a:solidFill>
-                        <a:srgbClr val="CCCCCC"/>
-                      </a:solidFill>
-                      <a:prstDash val="solid"/>
-                      <a:round/>
-                      <a:headEnd type="none" w="med" len="med"/>
-                      <a:tailEnd type="none" w="med" len="med"/>
-                    </a:lnB>
-                  </a:tcPr>
-                </a:tc>
-                <a:tc>
-                  <a:txBody>
-                    <a:bodyPr/>
-                    <a:lstStyle/>
-                    <a:p>
-                      <a:pPr rtl="0" fontAlgn="b"/>
-                      <a:r>
-                        <a:rPr lang="tr-TR">
-                          <a:effectLst/>
-                        </a:rPr>
-                        <a:t>My Method</a:t>
-                      </a:r>
-                    </a:p>
-                  </a:txBody>
-                  <a:tcPr marL="28575" marR="28575" marT="19050" marB="19050" anchor="b">
-                    <a:lnL w="9525" cap="flat" cmpd="sng" algn="ctr">
-                      <a:solidFill>
-                        <a:srgbClr val="CCCCCC"/>
-                      </a:solidFill>
-                      <a:prstDash val="solid"/>
-                      <a:round/>
-                      <a:headEnd type="none" w="med" len="med"/>
-                      <a:tailEnd type="none" w="med" len="med"/>
-                    </a:lnL>
-                    <a:lnR w="9525" cap="flat" cmpd="sng" algn="ctr">
-                      <a:solidFill>
-                        <a:srgbClr val="000000"/>
-                      </a:solidFill>
-                      <a:prstDash val="solid"/>
-                      <a:round/>
-                      <a:headEnd type="none" w="med" len="med"/>
-                      <a:tailEnd type="none" w="med" len="med"/>
-                    </a:lnR>
-                    <a:lnT w="9525" cap="flat" cmpd="sng" algn="ctr">
-                      <a:solidFill>
-                        <a:srgbClr val="000000"/>
-                      </a:solidFill>
-                      <a:prstDash val="solid"/>
-                      <a:round/>
-                      <a:headEnd type="none" w="med" len="med"/>
-                      <a:tailEnd type="none" w="med" len="med"/>
-                    </a:lnT>
-                    <a:lnB w="9525" cap="flat" cmpd="sng" algn="ctr">
-                      <a:solidFill>
-                        <a:srgbClr val="CCCCCC"/>
-                      </a:solidFill>
-                      <a:prstDash val="solid"/>
-                      <a:round/>
-                      <a:headEnd type="none" w="med" len="med"/>
-                      <a:tailEnd type="none" w="med" len="med"/>
-                    </a:lnB>
-                  </a:tcPr>
-                </a:tc>
-                <a:extLst>
-                  <a:ext uri="{0D108BD9-81ED-4DB2-BD59-A6C34878D82A}">
-                    <a16:rowId xmlns:a16="http://schemas.microsoft.com/office/drawing/2014/main" val="1027372485"/>
-                  </a:ext>
-                </a:extLst>
-              </a:tr>
-              <a:tr h="200025">
-                <a:tc>
-                  <a:txBody>
-                    <a:bodyPr/>
-                    <a:lstStyle/>
-                    <a:p>
-                      <a:pPr rtl="0" fontAlgn="b"/>
+                      <a:pPr algn="ctr" rtl="0" fontAlgn="b"/>
                       <a:r>
                         <a:rPr lang="tr-TR" dirty="0" err="1">
                           <a:effectLst/>
                         </a:rPr>
-                        <a:t>Conduction</a:t>
+                        <a:t>Equal</a:t>
                       </a:r>
                       <a:r>
                         <a:rPr lang="tr-TR" dirty="0">
@@ -3826,20 +3665,29 @@
                         <a:rPr lang="tr-TR" dirty="0" err="1">
                           <a:effectLst/>
                         </a:rPr>
-                        <a:t>loss</a:t>
+                        <a:t>Torque</a:t>
                       </a:r>
                       <a:r>
                         <a:rPr lang="tr-TR" dirty="0">
                           <a:effectLst/>
                         </a:rPr>
-                        <a:t> (40Nm @ 100RPM)</a:t>
+                        <a:t> </a:t>
                       </a:r>
+                      <a:r>
+                        <a:rPr lang="tr-TR" dirty="0" err="1">
+                          <a:effectLst/>
+                        </a:rPr>
+                        <a:t>Share</a:t>
+                      </a:r>
+                      <a:endParaRPr lang="tr-TR" dirty="0">
+                        <a:effectLst/>
+                      </a:endParaRPr>
                     </a:p>
                   </a:txBody>
                   <a:tcPr marL="28575" marR="28575" marT="19050" marB="19050" anchor="b">
                     <a:lnL w="9525" cap="flat" cmpd="sng" algn="ctr">
                       <a:solidFill>
-                        <a:srgbClr val="000000"/>
+                        <a:srgbClr val="CCCCCC"/>
                       </a:solidFill>
                       <a:prstDash val="solid"/>
                       <a:round/>
@@ -3857,7 +3705,7 @@
                     </a:lnR>
                     <a:lnT w="9525" cap="flat" cmpd="sng" algn="ctr">
                       <a:solidFill>
-                        <a:srgbClr val="CCCCCC"/>
+                        <a:srgbClr val="000000"/>
                       </a:solidFill>
                       <a:prstDash val="solid"/>
                       <a:round/>
@@ -3880,12 +3728,24 @@
                     <a:bodyPr/>
                     <a:lstStyle/>
                     <a:p>
-                      <a:pPr rtl="0" fontAlgn="b"/>
+                      <a:pPr algn="ctr" rtl="0" fontAlgn="b"/>
                       <a:r>
-                        <a:rPr lang="tr-TR">
+                        <a:rPr lang="tr-TR" dirty="0">
                           <a:effectLst/>
                         </a:rPr>
-                        <a:t>114.4 W</a:t>
+                        <a:t>Distribution </a:t>
+                      </a:r>
+                      <a:r>
+                        <a:rPr lang="tr-TR" dirty="0" err="1">
+                          <a:effectLst/>
+                        </a:rPr>
+                        <a:t>Prosed</a:t>
+                      </a:r>
+                      <a:r>
+                        <a:rPr lang="tr-TR" dirty="0">
+                          <a:effectLst/>
+                        </a:rPr>
+                        <a:t> in [1]</a:t>
                       </a:r>
                     </a:p>
                   </a:txBody>
@@ -3910,7 +3770,7 @@
                     </a:lnR>
                     <a:lnT w="9525" cap="flat" cmpd="sng" algn="ctr">
                       <a:solidFill>
-                        <a:srgbClr val="CCCCCC"/>
+                        <a:srgbClr val="000000"/>
                       </a:solidFill>
                       <a:prstDash val="solid"/>
                       <a:round/>
@@ -3933,13 +3793,22 @@
                     <a:bodyPr/>
                     <a:lstStyle/>
                     <a:p>
-                      <a:pPr rtl="0" fontAlgn="b"/>
+                      <a:pPr algn="ctr" rtl="0" fontAlgn="b"/>
                       <a:r>
-                        <a:rPr lang="tr-TR">
+                        <a:rPr lang="tr-TR" dirty="0">
                           <a:effectLst/>
                         </a:rPr>
-                        <a:t>114.4 W</a:t>
+                        <a:t>My </a:t>
                       </a:r>
+                      <a:r>
+                        <a:rPr lang="tr-TR" dirty="0" err="1">
+                          <a:effectLst/>
+                        </a:rPr>
+                        <a:t>Method</a:t>
+                      </a:r>
+                      <a:endParaRPr lang="tr-TR" dirty="0">
+                        <a:effectLst/>
+                      </a:endParaRPr>
                     </a:p>
                   </a:txBody>
                   <a:tcPr marL="28575" marR="28575" marT="19050" marB="19050" anchor="b">
@@ -3954,7 +3823,7 @@
                     </a:lnL>
                     <a:lnR w="9525" cap="flat" cmpd="sng" algn="ctr">
                       <a:solidFill>
-                        <a:srgbClr val="CCCCCC"/>
+                        <a:srgbClr val="000000"/>
                       </a:solidFill>
                       <a:prstDash val="solid"/>
                       <a:round/>
@@ -3963,60 +3832,7 @@
                     </a:lnR>
                     <a:lnT w="9525" cap="flat" cmpd="sng" algn="ctr">
                       <a:solidFill>
-                        <a:srgbClr val="CCCCCC"/>
-                      </a:solidFill>
-                      <a:prstDash val="solid"/>
-                      <a:round/>
-                      <a:headEnd type="none" w="med" len="med"/>
-                      <a:tailEnd type="none" w="med" len="med"/>
-                    </a:lnT>
-                    <a:lnB w="9525" cap="flat" cmpd="sng" algn="ctr">
-                      <a:solidFill>
-                        <a:srgbClr val="CCCCCC"/>
-                      </a:solidFill>
-                      <a:prstDash val="solid"/>
-                      <a:round/>
-                      <a:headEnd type="none" w="med" len="med"/>
-                      <a:tailEnd type="none" w="med" len="med"/>
-                    </a:lnB>
-                  </a:tcPr>
-                </a:tc>
-                <a:tc>
-                  <a:txBody>
-                    <a:bodyPr/>
-                    <a:lstStyle/>
-                    <a:p>
-                      <a:pPr rtl="0" fontAlgn="b"/>
-                      <a:r>
-                        <a:rPr lang="tr-TR">
-                          <a:effectLst/>
-                        </a:rPr>
-                        <a:t>109.9 W</a:t>
-                      </a:r>
-                    </a:p>
-                  </a:txBody>
-                  <a:tcPr marL="28575" marR="28575" marT="19050" marB="19050" anchor="b">
-                    <a:lnL w="9525" cap="flat" cmpd="sng" algn="ctr">
-                      <a:solidFill>
-                        <a:srgbClr val="CCCCCC"/>
-                      </a:solidFill>
-                      <a:prstDash val="solid"/>
-                      <a:round/>
-                      <a:headEnd type="none" w="med" len="med"/>
-                      <a:tailEnd type="none" w="med" len="med"/>
-                    </a:lnL>
-                    <a:lnR w="9525" cap="flat" cmpd="sng" algn="ctr">
-                      <a:solidFill>
                         <a:srgbClr val="000000"/>
-                      </a:solidFill>
-                      <a:prstDash val="solid"/>
-                      <a:round/>
-                      <a:headEnd type="none" w="med" len="med"/>
-                      <a:tailEnd type="none" w="med" len="med"/>
-                    </a:lnR>
-                    <a:lnT w="9525" cap="flat" cmpd="sng" algn="ctr">
-                      <a:solidFill>
-                        <a:srgbClr val="CCCCCC"/>
                       </a:solidFill>
                       <a:prstDash val="solid"/>
                       <a:round/>
@@ -4036,7 +3852,7 @@
                 </a:tc>
                 <a:extLst>
                   <a:ext uri="{0D108BD9-81ED-4DB2-BD59-A6C34878D82A}">
-                    <a16:rowId xmlns:a16="http://schemas.microsoft.com/office/drawing/2014/main" val="2512522342"/>
+                    <a16:rowId xmlns:a16="http://schemas.microsoft.com/office/drawing/2014/main" val="3757729963"/>
                   </a:ext>
                 </a:extLst>
               </a:tr>
@@ -4046,7 +3862,226 @@
                     <a:bodyPr/>
                     <a:lstStyle/>
                     <a:p>
-                      <a:pPr rtl="0" fontAlgn="b"/>
+                      <a:pPr algn="l" rtl="0" fontAlgn="b"/>
+                      <a:r>
+                        <a:rPr lang="en-US" dirty="0">
+                          <a:effectLst/>
+                        </a:rPr>
+                        <a:t>Conduction loss (W) (40Nm @ 100RPM)</a:t>
+                      </a:r>
+                    </a:p>
+                  </a:txBody>
+                  <a:tcPr marL="28575" marR="28575" marT="19050" marB="19050" anchor="b">
+                    <a:lnL w="9525" cap="flat" cmpd="sng" algn="ctr">
+                      <a:solidFill>
+                        <a:srgbClr val="000000"/>
+                      </a:solidFill>
+                      <a:prstDash val="solid"/>
+                      <a:round/>
+                      <a:headEnd type="none" w="med" len="med"/>
+                      <a:tailEnd type="none" w="med" len="med"/>
+                    </a:lnL>
+                    <a:lnR w="9525" cap="flat" cmpd="sng" algn="ctr">
+                      <a:solidFill>
+                        <a:srgbClr val="CCCCCC"/>
+                      </a:solidFill>
+                      <a:prstDash val="solid"/>
+                      <a:round/>
+                      <a:headEnd type="none" w="med" len="med"/>
+                      <a:tailEnd type="none" w="med" len="med"/>
+                    </a:lnR>
+                    <a:lnT w="9525" cap="flat" cmpd="sng" algn="ctr">
+                      <a:solidFill>
+                        <a:srgbClr val="CCCCCC"/>
+                      </a:solidFill>
+                      <a:prstDash val="solid"/>
+                      <a:round/>
+                      <a:headEnd type="none" w="med" len="med"/>
+                      <a:tailEnd type="none" w="med" len="med"/>
+                    </a:lnT>
+                    <a:lnB w="9525" cap="flat" cmpd="sng" algn="ctr">
+                      <a:solidFill>
+                        <a:srgbClr val="CCCCCC"/>
+                      </a:solidFill>
+                      <a:prstDash val="solid"/>
+                      <a:round/>
+                      <a:headEnd type="none" w="med" len="med"/>
+                      <a:tailEnd type="none" w="med" len="med"/>
+                    </a:lnB>
+                  </a:tcPr>
+                </a:tc>
+                <a:tc>
+                  <a:txBody>
+                    <a:bodyPr/>
+                    <a:lstStyle/>
+                    <a:p>
+                      <a:pPr algn="ctr" rtl="0" fontAlgn="b"/>
+                      <a:r>
+                        <a:rPr lang="tr-TR" dirty="0">
+                          <a:effectLst/>
+                        </a:rPr>
+                        <a:t>76,37</a:t>
+                      </a:r>
+                    </a:p>
+                  </a:txBody>
+                  <a:tcPr marL="28575" marR="28575" marT="19050" marB="19050" anchor="b">
+                    <a:lnL w="9525" cap="flat" cmpd="sng" algn="ctr">
+                      <a:solidFill>
+                        <a:srgbClr val="CCCCCC"/>
+                      </a:solidFill>
+                      <a:prstDash val="solid"/>
+                      <a:round/>
+                      <a:headEnd type="none" w="med" len="med"/>
+                      <a:tailEnd type="none" w="med" len="med"/>
+                    </a:lnL>
+                    <a:lnR w="9525" cap="flat" cmpd="sng" algn="ctr">
+                      <a:solidFill>
+                        <a:srgbClr val="CCCCCC"/>
+                      </a:solidFill>
+                      <a:prstDash val="solid"/>
+                      <a:round/>
+                      <a:headEnd type="none" w="med" len="med"/>
+                      <a:tailEnd type="none" w="med" len="med"/>
+                    </a:lnR>
+                    <a:lnT w="9525" cap="flat" cmpd="sng" algn="ctr">
+                      <a:solidFill>
+                        <a:srgbClr val="CCCCCC"/>
+                      </a:solidFill>
+                      <a:prstDash val="solid"/>
+                      <a:round/>
+                      <a:headEnd type="none" w="med" len="med"/>
+                      <a:tailEnd type="none" w="med" len="med"/>
+                    </a:lnT>
+                    <a:lnB w="9525" cap="flat" cmpd="sng" algn="ctr">
+                      <a:solidFill>
+                        <a:srgbClr val="CCCCCC"/>
+                      </a:solidFill>
+                      <a:prstDash val="solid"/>
+                      <a:round/>
+                      <a:headEnd type="none" w="med" len="med"/>
+                      <a:tailEnd type="none" w="med" len="med"/>
+                    </a:lnB>
+                  </a:tcPr>
+                </a:tc>
+                <a:tc>
+                  <a:txBody>
+                    <a:bodyPr/>
+                    <a:lstStyle/>
+                    <a:p>
+                      <a:pPr algn="ctr" rtl="0" fontAlgn="b"/>
+                      <a:r>
+                        <a:rPr lang="tr-TR">
+                          <a:effectLst/>
+                        </a:rPr>
+                        <a:t>76</a:t>
+                      </a:r>
+                    </a:p>
+                  </a:txBody>
+                  <a:tcPr marL="28575" marR="28575" marT="19050" marB="19050" anchor="b">
+                    <a:lnL w="9525" cap="flat" cmpd="sng" algn="ctr">
+                      <a:solidFill>
+                        <a:srgbClr val="CCCCCC"/>
+                      </a:solidFill>
+                      <a:prstDash val="solid"/>
+                      <a:round/>
+                      <a:headEnd type="none" w="med" len="med"/>
+                      <a:tailEnd type="none" w="med" len="med"/>
+                    </a:lnL>
+                    <a:lnR w="9525" cap="flat" cmpd="sng" algn="ctr">
+                      <a:solidFill>
+                        <a:srgbClr val="CCCCCC"/>
+                      </a:solidFill>
+                      <a:prstDash val="solid"/>
+                      <a:round/>
+                      <a:headEnd type="none" w="med" len="med"/>
+                      <a:tailEnd type="none" w="med" len="med"/>
+                    </a:lnR>
+                    <a:lnT w="9525" cap="flat" cmpd="sng" algn="ctr">
+                      <a:solidFill>
+                        <a:srgbClr val="CCCCCC"/>
+                      </a:solidFill>
+                      <a:prstDash val="solid"/>
+                      <a:round/>
+                      <a:headEnd type="none" w="med" len="med"/>
+                      <a:tailEnd type="none" w="med" len="med"/>
+                    </a:lnT>
+                    <a:lnB w="9525" cap="flat" cmpd="sng" algn="ctr">
+                      <a:solidFill>
+                        <a:srgbClr val="CCCCCC"/>
+                      </a:solidFill>
+                      <a:prstDash val="solid"/>
+                      <a:round/>
+                      <a:headEnd type="none" w="med" len="med"/>
+                      <a:tailEnd type="none" w="med" len="med"/>
+                    </a:lnB>
+                  </a:tcPr>
+                </a:tc>
+                <a:tc>
+                  <a:txBody>
+                    <a:bodyPr/>
+                    <a:lstStyle/>
+                    <a:p>
+                      <a:pPr algn="ctr" rtl="0" fontAlgn="b"/>
+                      <a:r>
+                        <a:rPr lang="tr-TR">
+                          <a:effectLst/>
+                        </a:rPr>
+                        <a:t>73,24</a:t>
+                      </a:r>
+                    </a:p>
+                  </a:txBody>
+                  <a:tcPr marL="28575" marR="28575" marT="19050" marB="19050" anchor="b">
+                    <a:lnL w="9525" cap="flat" cmpd="sng" algn="ctr">
+                      <a:solidFill>
+                        <a:srgbClr val="CCCCCC"/>
+                      </a:solidFill>
+                      <a:prstDash val="solid"/>
+                      <a:round/>
+                      <a:headEnd type="none" w="med" len="med"/>
+                      <a:tailEnd type="none" w="med" len="med"/>
+                    </a:lnL>
+                    <a:lnR w="9525" cap="flat" cmpd="sng" algn="ctr">
+                      <a:solidFill>
+                        <a:srgbClr val="000000"/>
+                      </a:solidFill>
+                      <a:prstDash val="solid"/>
+                      <a:round/>
+                      <a:headEnd type="none" w="med" len="med"/>
+                      <a:tailEnd type="none" w="med" len="med"/>
+                    </a:lnR>
+                    <a:lnT w="9525" cap="flat" cmpd="sng" algn="ctr">
+                      <a:solidFill>
+                        <a:srgbClr val="CCCCCC"/>
+                      </a:solidFill>
+                      <a:prstDash val="solid"/>
+                      <a:round/>
+                      <a:headEnd type="none" w="med" len="med"/>
+                      <a:tailEnd type="none" w="med" len="med"/>
+                    </a:lnT>
+                    <a:lnB w="9525" cap="flat" cmpd="sng" algn="ctr">
+                      <a:solidFill>
+                        <a:srgbClr val="CCCCCC"/>
+                      </a:solidFill>
+                      <a:prstDash val="solid"/>
+                      <a:round/>
+                      <a:headEnd type="none" w="med" len="med"/>
+                      <a:tailEnd type="none" w="med" len="med"/>
+                    </a:lnB>
+                  </a:tcPr>
+                </a:tc>
+                <a:extLst>
+                  <a:ext uri="{0D108BD9-81ED-4DB2-BD59-A6C34878D82A}">
+                    <a16:rowId xmlns:a16="http://schemas.microsoft.com/office/drawing/2014/main" val="2603800925"/>
+                  </a:ext>
+                </a:extLst>
+              </a:tr>
+              <a:tr h="585600">
+                <a:tc>
+                  <a:txBody>
+                    <a:bodyPr/>
+                    <a:lstStyle/>
+                    <a:p>
+                      <a:pPr algn="l" rtl="0" fontAlgn="b"/>
                       <a:r>
                         <a:rPr lang="tr-TR" dirty="0" err="1">
                           <a:effectLst/>
@@ -4069,7 +4104,19 @@
                         <a:rPr lang="tr-TR" dirty="0">
                           <a:effectLst/>
                         </a:rPr>
-                        <a:t> (40Nm @ 100RPM)</a:t>
+                        <a:t> (</a:t>
+                      </a:r>
+                      <a:r>
+                        <a:rPr lang="tr-TR" dirty="0" err="1">
+                          <a:effectLst/>
+                        </a:rPr>
+                        <a:t>Nm</a:t>
+                      </a:r>
+                      <a:r>
+                        <a:rPr lang="tr-TR" dirty="0">
+                          <a:effectLst/>
+                        </a:rPr>
+                        <a:t>) (40Nm @ 100RPM)</a:t>
                       </a:r>
                     </a:p>
                   </a:txBody>
@@ -4103,7 +4150,7 @@
                     </a:lnT>
                     <a:lnB w="9525" cap="flat" cmpd="sng" algn="ctr">
                       <a:solidFill>
-                        <a:srgbClr val="000000"/>
+                        <a:srgbClr val="CCCCCC"/>
                       </a:solidFill>
                       <a:prstDash val="solid"/>
                       <a:round/>
@@ -4117,12 +4164,12 @@
                     <a:bodyPr/>
                     <a:lstStyle/>
                     <a:p>
-                      <a:pPr rtl="0" fontAlgn="b"/>
+                      <a:pPr algn="ctr" rtl="0" fontAlgn="b"/>
                       <a:r>
-                        <a:rPr lang="tr-TR">
+                        <a:rPr lang="tr-TR" dirty="0">
                           <a:effectLst/>
                         </a:rPr>
-                        <a:t>2.2 Nm</a:t>
+                        <a:t>2,2</a:t>
                       </a:r>
                     </a:p>
                   </a:txBody>
@@ -4156,7 +4203,7 @@
                     </a:lnT>
                     <a:lnB w="9525" cap="flat" cmpd="sng" algn="ctr">
                       <a:solidFill>
-                        <a:srgbClr val="000000"/>
+                        <a:srgbClr val="CCCCCC"/>
                       </a:solidFill>
                       <a:prstDash val="solid"/>
                       <a:round/>
@@ -4170,12 +4217,12 @@
                     <a:bodyPr/>
                     <a:lstStyle/>
                     <a:p>
-                      <a:pPr rtl="0" fontAlgn="b"/>
+                      <a:pPr algn="ctr" rtl="0" fontAlgn="b"/>
                       <a:r>
                         <a:rPr lang="tr-TR">
                           <a:effectLst/>
                         </a:rPr>
-                        <a:t>3.04 Nm</a:t>
+                        <a:t>3,04</a:t>
                       </a:r>
                     </a:p>
                   </a:txBody>
@@ -4209,7 +4256,7 @@
                     </a:lnT>
                     <a:lnB w="9525" cap="flat" cmpd="sng" algn="ctr">
                       <a:solidFill>
-                        <a:srgbClr val="000000"/>
+                        <a:srgbClr val="CCCCCC"/>
                       </a:solidFill>
                       <a:prstDash val="solid"/>
                       <a:round/>
@@ -4223,18 +4270,72 @@
                     <a:bodyPr/>
                     <a:lstStyle/>
                     <a:p>
-                      <a:pPr rtl="0" fontAlgn="b"/>
+                      <a:pPr algn="ctr" rtl="0" fontAlgn="b"/>
                       <a:r>
-                        <a:rPr lang="tr-TR" dirty="0">
+                        <a:rPr lang="tr-TR">
                           <a:effectLst/>
                         </a:rPr>
-                        <a:t>3.5 </a:t>
+                        <a:t>3,5</a:t>
                       </a:r>
+                    </a:p>
+                  </a:txBody>
+                  <a:tcPr marL="28575" marR="28575" marT="19050" marB="19050" anchor="b">
+                    <a:lnL w="9525" cap="flat" cmpd="sng" algn="ctr">
+                      <a:solidFill>
+                        <a:srgbClr val="CCCCCC"/>
+                      </a:solidFill>
+                      <a:prstDash val="solid"/>
+                      <a:round/>
+                      <a:headEnd type="none" w="med" len="med"/>
+                      <a:tailEnd type="none" w="med" len="med"/>
+                    </a:lnL>
+                    <a:lnR w="9525" cap="flat" cmpd="sng" algn="ctr">
+                      <a:solidFill>
+                        <a:srgbClr val="000000"/>
+                      </a:solidFill>
+                      <a:prstDash val="solid"/>
+                      <a:round/>
+                      <a:headEnd type="none" w="med" len="med"/>
+                      <a:tailEnd type="none" w="med" len="med"/>
+                    </a:lnR>
+                    <a:lnT w="9525" cap="flat" cmpd="sng" algn="ctr">
+                      <a:solidFill>
+                        <a:srgbClr val="CCCCCC"/>
+                      </a:solidFill>
+                      <a:prstDash val="solid"/>
+                      <a:round/>
+                      <a:headEnd type="none" w="med" len="med"/>
+                      <a:tailEnd type="none" w="med" len="med"/>
+                    </a:lnT>
+                    <a:lnB w="9525" cap="flat" cmpd="sng" algn="ctr">
+                      <a:solidFill>
+                        <a:srgbClr val="CCCCCC"/>
+                      </a:solidFill>
+                      <a:prstDash val="solid"/>
+                      <a:round/>
+                      <a:headEnd type="none" w="med" len="med"/>
+                      <a:tailEnd type="none" w="med" len="med"/>
+                    </a:lnB>
+                  </a:tcPr>
+                </a:tc>
+                <a:extLst>
+                  <a:ext uri="{0D108BD9-81ED-4DB2-BD59-A6C34878D82A}">
+                    <a16:rowId xmlns:a16="http://schemas.microsoft.com/office/drawing/2014/main" val="3125689388"/>
+                  </a:ext>
+                </a:extLst>
+              </a:tr>
+              <a:tr h="830132">
+                <a:tc>
+                  <a:txBody>
+                    <a:bodyPr/>
+                    <a:lstStyle/>
+                    <a:p>
+                      <a:pPr algn="l" rtl="0" fontAlgn="b"/>
                       <a:r>
                         <a:rPr lang="tr-TR" dirty="0" err="1">
                           <a:effectLst/>
                         </a:rPr>
-                        <a:t>Nm</a:t>
+                        <a:t>Power</a:t>
                       </a:r>
                       <a:endParaRPr lang="tr-TR" dirty="0">
                         <a:effectLst/>
@@ -4244,7 +4345,7 @@
                   <a:tcPr marL="28575" marR="28575" marT="19050" marB="19050" anchor="b">
                     <a:lnL w="9525" cap="flat" cmpd="sng" algn="ctr">
                       <a:solidFill>
-                        <a:srgbClr val="CCCCCC"/>
+                        <a:srgbClr val="000000"/>
                       </a:solidFill>
                       <a:prstDash val="solid"/>
                       <a:round/>
@@ -4253,7 +4354,7 @@
                     </a:lnL>
                     <a:lnR w="9525" cap="flat" cmpd="sng" algn="ctr">
                       <a:solidFill>
-                        <a:srgbClr val="000000"/>
+                        <a:srgbClr val="CCCCCC"/>
                       </a:solidFill>
                       <a:prstDash val="solid"/>
                       <a:round/>
@@ -4271,7 +4372,160 @@
                     </a:lnT>
                     <a:lnB w="9525" cap="flat" cmpd="sng" algn="ctr">
                       <a:solidFill>
+                        <a:srgbClr val="CCCCCC"/>
+                      </a:solidFill>
+                      <a:prstDash val="solid"/>
+                      <a:round/>
+                      <a:headEnd type="none" w="med" len="med"/>
+                      <a:tailEnd type="none" w="med" len="med"/>
+                    </a:lnB>
+                  </a:tcPr>
+                </a:tc>
+                <a:tc>
+                  <a:txBody>
+                    <a:bodyPr/>
+                    <a:lstStyle/>
+                    <a:p>
+                      <a:pPr algn="ctr" rtl="0" fontAlgn="b"/>
+                      <a:r>
+                        <a:rPr lang="tr-TR" dirty="0">
+                          <a:effectLst/>
+                        </a:rPr>
+                        <a:t>418,88</a:t>
+                      </a:r>
+                    </a:p>
+                  </a:txBody>
+                  <a:tcPr marL="28575" marR="28575" marT="19050" marB="19050" anchor="b">
+                    <a:lnL w="9525" cap="flat" cmpd="sng" algn="ctr">
+                      <a:solidFill>
+                        <a:srgbClr val="CCCCCC"/>
+                      </a:solidFill>
+                      <a:prstDash val="solid"/>
+                      <a:round/>
+                      <a:headEnd type="none" w="med" len="med"/>
+                      <a:tailEnd type="none" w="med" len="med"/>
+                    </a:lnL>
+                    <a:lnR w="9525" cap="flat" cmpd="sng" algn="ctr">
+                      <a:solidFill>
+                        <a:srgbClr val="CCCCCC"/>
+                      </a:solidFill>
+                      <a:prstDash val="solid"/>
+                      <a:round/>
+                      <a:headEnd type="none" w="med" len="med"/>
+                      <a:tailEnd type="none" w="med" len="med"/>
+                    </a:lnR>
+                    <a:lnT w="9525" cap="flat" cmpd="sng" algn="ctr">
+                      <a:solidFill>
+                        <a:srgbClr val="CCCCCC"/>
+                      </a:solidFill>
+                      <a:prstDash val="solid"/>
+                      <a:round/>
+                      <a:headEnd type="none" w="med" len="med"/>
+                      <a:tailEnd type="none" w="med" len="med"/>
+                    </a:lnT>
+                    <a:lnB w="9525" cap="flat" cmpd="sng" algn="ctr">
+                      <a:solidFill>
+                        <a:srgbClr val="CCCCCC"/>
+                      </a:solidFill>
+                      <a:prstDash val="solid"/>
+                      <a:round/>
+                      <a:headEnd type="none" w="med" len="med"/>
+                      <a:tailEnd type="none" w="med" len="med"/>
+                    </a:lnB>
+                  </a:tcPr>
+                </a:tc>
+                <a:tc>
+                  <a:txBody>
+                    <a:bodyPr/>
+                    <a:lstStyle/>
+                    <a:p>
+                      <a:pPr algn="ctr" rtl="0" fontAlgn="b"/>
+                      <a:endParaRPr lang="tr-TR" dirty="0">
+                        <a:effectLst/>
+                      </a:endParaRPr>
+                    </a:p>
+                  </a:txBody>
+                  <a:tcPr marL="28575" marR="28575" marT="19050" marB="19050" anchor="b">
+                    <a:lnL w="9525" cap="flat" cmpd="sng" algn="ctr">
+                      <a:solidFill>
+                        <a:srgbClr val="CCCCCC"/>
+                      </a:solidFill>
+                      <a:prstDash val="solid"/>
+                      <a:round/>
+                      <a:headEnd type="none" w="med" len="med"/>
+                      <a:tailEnd type="none" w="med" len="med"/>
+                    </a:lnL>
+                    <a:lnR w="9525" cap="flat" cmpd="sng" algn="ctr">
+                      <a:solidFill>
+                        <a:srgbClr val="CCCCCC"/>
+                      </a:solidFill>
+                      <a:prstDash val="solid"/>
+                      <a:round/>
+                      <a:headEnd type="none" w="med" len="med"/>
+                      <a:tailEnd type="none" w="med" len="med"/>
+                    </a:lnR>
+                    <a:lnT w="9525" cap="flat" cmpd="sng" algn="ctr">
+                      <a:solidFill>
+                        <a:srgbClr val="CCCCCC"/>
+                      </a:solidFill>
+                      <a:prstDash val="solid"/>
+                      <a:round/>
+                      <a:headEnd type="none" w="med" len="med"/>
+                      <a:tailEnd type="none" w="med" len="med"/>
+                    </a:lnT>
+                    <a:lnB w="9525" cap="flat" cmpd="sng" algn="ctr">
+                      <a:solidFill>
+                        <a:srgbClr val="CCCCCC"/>
+                      </a:solidFill>
+                      <a:prstDash val="solid"/>
+                      <a:round/>
+                      <a:headEnd type="none" w="med" len="med"/>
+                      <a:tailEnd type="none" w="med" len="med"/>
+                    </a:lnB>
+                  </a:tcPr>
+                </a:tc>
+                <a:tc>
+                  <a:txBody>
+                    <a:bodyPr/>
+                    <a:lstStyle/>
+                    <a:p>
+                      <a:pPr algn="ctr" rtl="0" fontAlgn="b"/>
+                      <a:endParaRPr lang="tr-TR" dirty="0">
+                        <a:effectLst/>
+                      </a:endParaRPr>
+                    </a:p>
+                  </a:txBody>
+                  <a:tcPr marL="28575" marR="28575" marT="19050" marB="19050" anchor="b">
+                    <a:lnL w="9525" cap="flat" cmpd="sng" algn="ctr">
+                      <a:solidFill>
+                        <a:srgbClr val="CCCCCC"/>
+                      </a:solidFill>
+                      <a:prstDash val="solid"/>
+                      <a:round/>
+                      <a:headEnd type="none" w="med" len="med"/>
+                      <a:tailEnd type="none" w="med" len="med"/>
+                    </a:lnL>
+                    <a:lnR w="9525" cap="flat" cmpd="sng" algn="ctr">
+                      <a:solidFill>
                         <a:srgbClr val="000000"/>
+                      </a:solidFill>
+                      <a:prstDash val="solid"/>
+                      <a:round/>
+                      <a:headEnd type="none" w="med" len="med"/>
+                      <a:tailEnd type="none" w="med" len="med"/>
+                    </a:lnR>
+                    <a:lnT w="9525" cap="flat" cmpd="sng" algn="ctr">
+                      <a:solidFill>
+                        <a:srgbClr val="CCCCCC"/>
+                      </a:solidFill>
+                      <a:prstDash val="solid"/>
+                      <a:round/>
+                      <a:headEnd type="none" w="med" len="med"/>
+                      <a:tailEnd type="none" w="med" len="med"/>
+                    </a:lnT>
+                    <a:lnB w="9525" cap="flat" cmpd="sng" algn="ctr">
+                      <a:solidFill>
+                        <a:srgbClr val="CCCCCC"/>
                       </a:solidFill>
                       <a:prstDash val="solid"/>
                       <a:round/>
@@ -4282,7 +4536,232 @@
                 </a:tc>
                 <a:extLst>
                   <a:ext uri="{0D108BD9-81ED-4DB2-BD59-A6C34878D82A}">
-                    <a16:rowId xmlns:a16="http://schemas.microsoft.com/office/drawing/2014/main" val="3487711499"/>
+                    <a16:rowId xmlns:a16="http://schemas.microsoft.com/office/drawing/2014/main" val="2535000416"/>
+                  </a:ext>
+                </a:extLst>
+              </a:tr>
+              <a:tr h="945645">
+                <a:tc>
+                  <a:txBody>
+                    <a:bodyPr/>
+                    <a:lstStyle/>
+                    <a:p>
+                      <a:pPr algn="l" rtl="0" fontAlgn="b"/>
+                      <a:r>
+                        <a:rPr lang="tr-TR" dirty="0" err="1">
+                          <a:effectLst/>
+                        </a:rPr>
+                        <a:t>Efficiency</a:t>
+                      </a:r>
+                      <a:r>
+                        <a:rPr lang="tr-TR" dirty="0">
+                          <a:effectLst/>
+                        </a:rPr>
+                        <a:t> </a:t>
+                      </a:r>
+                    </a:p>
+                  </a:txBody>
+                  <a:tcPr marL="28575" marR="28575" marT="19050" marB="19050" anchor="b">
+                    <a:lnL w="9525" cap="flat" cmpd="sng" algn="ctr">
+                      <a:solidFill>
+                        <a:srgbClr val="000000"/>
+                      </a:solidFill>
+                      <a:prstDash val="solid"/>
+                      <a:round/>
+                      <a:headEnd type="none" w="med" len="med"/>
+                      <a:tailEnd type="none" w="med" len="med"/>
+                    </a:lnL>
+                    <a:lnR w="9525" cap="flat" cmpd="sng" algn="ctr">
+                      <a:solidFill>
+                        <a:srgbClr val="CCCCCC"/>
+                      </a:solidFill>
+                      <a:prstDash val="solid"/>
+                      <a:round/>
+                      <a:headEnd type="none" w="med" len="med"/>
+                      <a:tailEnd type="none" w="med" len="med"/>
+                    </a:lnR>
+                    <a:lnT w="9525" cap="flat" cmpd="sng" algn="ctr">
+                      <a:solidFill>
+                        <a:srgbClr val="CCCCCC"/>
+                      </a:solidFill>
+                      <a:prstDash val="solid"/>
+                      <a:round/>
+                      <a:headEnd type="none" w="med" len="med"/>
+                      <a:tailEnd type="none" w="med" len="med"/>
+                    </a:lnT>
+                    <a:lnB w="9525" cap="flat" cmpd="sng" algn="ctr">
+                      <a:solidFill>
+                        <a:srgbClr val="000000"/>
+                      </a:solidFill>
+                      <a:prstDash val="solid"/>
+                      <a:round/>
+                      <a:headEnd type="none" w="med" len="med"/>
+                      <a:tailEnd type="none" w="med" len="med"/>
+                    </a:lnB>
+                  </a:tcPr>
+                </a:tc>
+                <a:tc>
+                  <a:txBody>
+                    <a:bodyPr/>
+                    <a:lstStyle/>
+                    <a:p>
+                      <a:pPr algn="ctr" rtl="0" fontAlgn="b"/>
+                      <a:r>
+                        <a:rPr lang="tr-TR" dirty="0">
+                          <a:effectLst/>
+                        </a:rPr>
+                        <a:t>84,58</a:t>
+                      </a:r>
+                    </a:p>
+                  </a:txBody>
+                  <a:tcPr marL="28575" marR="28575" marT="19050" marB="19050" anchor="b">
+                    <a:lnL w="9525" cap="flat" cmpd="sng" algn="ctr">
+                      <a:solidFill>
+                        <a:srgbClr val="CCCCCC"/>
+                      </a:solidFill>
+                      <a:prstDash val="solid"/>
+                      <a:round/>
+                      <a:headEnd type="none" w="med" len="med"/>
+                      <a:tailEnd type="none" w="med" len="med"/>
+                    </a:lnL>
+                    <a:lnR w="9525" cap="flat" cmpd="sng" algn="ctr">
+                      <a:solidFill>
+                        <a:srgbClr val="CCCCCC"/>
+                      </a:solidFill>
+                      <a:prstDash val="solid"/>
+                      <a:round/>
+                      <a:headEnd type="none" w="med" len="med"/>
+                      <a:tailEnd type="none" w="med" len="med"/>
+                    </a:lnR>
+                    <a:lnT w="9525" cap="flat" cmpd="sng" algn="ctr">
+                      <a:solidFill>
+                        <a:srgbClr val="CCCCCC"/>
+                      </a:solidFill>
+                      <a:prstDash val="solid"/>
+                      <a:round/>
+                      <a:headEnd type="none" w="med" len="med"/>
+                      <a:tailEnd type="none" w="med" len="med"/>
+                    </a:lnT>
+                    <a:lnB w="9525" cap="flat" cmpd="sng" algn="ctr">
+                      <a:solidFill>
+                        <a:srgbClr val="000000"/>
+                      </a:solidFill>
+                      <a:prstDash val="solid"/>
+                      <a:round/>
+                      <a:headEnd type="none" w="med" len="med"/>
+                      <a:tailEnd type="none" w="med" len="med"/>
+                    </a:lnB>
+                  </a:tcPr>
+                </a:tc>
+                <a:tc>
+                  <a:txBody>
+                    <a:bodyPr/>
+                    <a:lstStyle/>
+                    <a:p>
+                      <a:pPr algn="ctr" rtl="0" fontAlgn="b"/>
+                      <a:r>
+                        <a:rPr lang="tr-TR" dirty="0">
+                          <a:effectLst/>
+                        </a:rPr>
+                        <a:t>84,64</a:t>
+                      </a:r>
+                    </a:p>
+                  </a:txBody>
+                  <a:tcPr marL="28575" marR="28575" marT="19050" marB="19050" anchor="b">
+                    <a:lnL w="9525" cap="flat" cmpd="sng" algn="ctr">
+                      <a:solidFill>
+                        <a:srgbClr val="CCCCCC"/>
+                      </a:solidFill>
+                      <a:prstDash val="solid"/>
+                      <a:round/>
+                      <a:headEnd type="none" w="med" len="med"/>
+                      <a:tailEnd type="none" w="med" len="med"/>
+                    </a:lnL>
+                    <a:lnR w="9525" cap="flat" cmpd="sng" algn="ctr">
+                      <a:solidFill>
+                        <a:srgbClr val="CCCCCC"/>
+                      </a:solidFill>
+                      <a:prstDash val="solid"/>
+                      <a:round/>
+                      <a:headEnd type="none" w="med" len="med"/>
+                      <a:tailEnd type="none" w="med" len="med"/>
+                    </a:lnR>
+                    <a:lnT w="9525" cap="flat" cmpd="sng" algn="ctr">
+                      <a:solidFill>
+                        <a:srgbClr val="CCCCCC"/>
+                      </a:solidFill>
+                      <a:prstDash val="solid"/>
+                      <a:round/>
+                      <a:headEnd type="none" w="med" len="med"/>
+                      <a:tailEnd type="none" w="med" len="med"/>
+                    </a:lnT>
+                    <a:lnB w="9525" cap="flat" cmpd="sng" algn="ctr">
+                      <a:solidFill>
+                        <a:srgbClr val="000000"/>
+                      </a:solidFill>
+                      <a:prstDash val="solid"/>
+                      <a:round/>
+                      <a:headEnd type="none" w="med" len="med"/>
+                      <a:tailEnd type="none" w="med" len="med"/>
+                    </a:lnB>
+                  </a:tcPr>
+                </a:tc>
+                <a:tc>
+                  <a:txBody>
+                    <a:bodyPr/>
+                    <a:lstStyle/>
+                    <a:p>
+                      <a:pPr algn="ctr" rtl="0" fontAlgn="b"/>
+                      <a:r>
+                        <a:rPr lang="tr-TR" dirty="0">
+                          <a:effectLst/>
+                        </a:rPr>
+                        <a:t>85,12</a:t>
+                      </a:r>
+                    </a:p>
+                  </a:txBody>
+                  <a:tcPr marL="28575" marR="28575" marT="19050" marB="19050" anchor="b">
+                    <a:lnL w="9525" cap="flat" cmpd="sng" algn="ctr">
+                      <a:solidFill>
+                        <a:srgbClr val="CCCCCC"/>
+                      </a:solidFill>
+                      <a:prstDash val="solid"/>
+                      <a:round/>
+                      <a:headEnd type="none" w="med" len="med"/>
+                      <a:tailEnd type="none" w="med" len="med"/>
+                    </a:lnL>
+                    <a:lnR w="9525" cap="flat" cmpd="sng" algn="ctr">
+                      <a:solidFill>
+                        <a:srgbClr val="000000"/>
+                      </a:solidFill>
+                      <a:prstDash val="solid"/>
+                      <a:round/>
+                      <a:headEnd type="none" w="med" len="med"/>
+                      <a:tailEnd type="none" w="med" len="med"/>
+                    </a:lnR>
+                    <a:lnT w="9525" cap="flat" cmpd="sng" algn="ctr">
+                      <a:solidFill>
+                        <a:srgbClr val="CCCCCC"/>
+                      </a:solidFill>
+                      <a:prstDash val="solid"/>
+                      <a:round/>
+                      <a:headEnd type="none" w="med" len="med"/>
+                      <a:tailEnd type="none" w="med" len="med"/>
+                    </a:lnT>
+                    <a:lnB w="9525" cap="flat" cmpd="sng" algn="ctr">
+                      <a:solidFill>
+                        <a:srgbClr val="000000"/>
+                      </a:solidFill>
+                      <a:prstDash val="solid"/>
+                      <a:round/>
+                      <a:headEnd type="none" w="med" len="med"/>
+                      <a:tailEnd type="none" w="med" len="med"/>
+                    </a:lnB>
+                  </a:tcPr>
+                </a:tc>
+                <a:extLst>
+                  <a:ext uri="{0D108BD9-81ED-4DB2-BD59-A6C34878D82A}">
+                    <a16:rowId xmlns:a16="http://schemas.microsoft.com/office/drawing/2014/main" val="1969251567"/>
                   </a:ext>
                 </a:extLst>
               </a:tr>
@@ -4875,10 +5354,10 @@
       </p:sp>
       <p:pic>
         <p:nvPicPr>
-          <p:cNvPr id="9" name="Resim 8">
-            <a:extLst>
-              <a:ext uri="{FF2B5EF4-FFF2-40B4-BE49-F238E27FC236}">
-                <a16:creationId xmlns:a16="http://schemas.microsoft.com/office/drawing/2014/main" id="{ADE0AD4F-BF13-4C30-972E-4634492478D5}"/>
+          <p:cNvPr id="3" name="Resim 2">
+            <a:extLst>
+              <a:ext uri="{FF2B5EF4-FFF2-40B4-BE49-F238E27FC236}">
+                <a16:creationId xmlns:a16="http://schemas.microsoft.com/office/drawing/2014/main" id="{DDD7B2C9-6DCB-4C3E-A517-DBD6076C15F0}"/>
               </a:ext>
             </a:extLst>
           </p:cNvPr>
@@ -4887,16 +5366,15 @@
           </p:cNvPicPr>
           <p:nvPr/>
         </p:nvPicPr>
-        <p:blipFill>
+        <p:blipFill rotWithShape="1">
           <a:blip r:embed="rId2"/>
-          <a:stretch>
-            <a:fillRect/>
-          </a:stretch>
+          <a:srcRect l="7373" t="3592" r="5974" b="2987"/>
+          <a:stretch/>
         </p:blipFill>
         <p:spPr>
           <a:xfrm>
-            <a:off x="2536031" y="2900683"/>
-            <a:ext cx="7119937" cy="3847681"/>
+            <a:off x="2949632" y="2826595"/>
+            <a:ext cx="6292735" cy="3666280"/>
           </a:xfrm>
           <a:prstGeom prst="rect">
             <a:avLst/>
@@ -5654,10 +6132,10 @@
       </p:sp>
       <p:pic>
         <p:nvPicPr>
-          <p:cNvPr id="5" name="Resim 4">
-            <a:extLst>
-              <a:ext uri="{FF2B5EF4-FFF2-40B4-BE49-F238E27FC236}">
-                <a16:creationId xmlns:a16="http://schemas.microsoft.com/office/drawing/2014/main" id="{2A2118A6-8CC2-4DAD-8C9C-B7F49EC64744}"/>
+          <p:cNvPr id="4" name="Resim 3">
+            <a:extLst>
+              <a:ext uri="{FF2B5EF4-FFF2-40B4-BE49-F238E27FC236}">
+                <a16:creationId xmlns:a16="http://schemas.microsoft.com/office/drawing/2014/main" id="{F8CA64E1-25F4-4100-A26F-3E77D7492597}"/>
               </a:ext>
             </a:extLst>
           </p:cNvPr>
@@ -5666,16 +6144,15 @@
           </p:cNvPicPr>
           <p:nvPr/>
         </p:nvPicPr>
-        <p:blipFill>
+        <p:blipFill rotWithShape="1">
           <a:blip r:embed="rId2"/>
-          <a:stretch>
-            <a:fillRect/>
-          </a:stretch>
+          <a:srcRect l="6265" t="3284" r="6333"/>
+          <a:stretch/>
         </p:blipFill>
         <p:spPr>
           <a:xfrm>
-            <a:off x="2762250" y="3177306"/>
-            <a:ext cx="6667500" cy="3603180"/>
+            <a:off x="2529840" y="2360815"/>
+            <a:ext cx="7132320" cy="4265064"/>
           </a:xfrm>
           <a:prstGeom prst="rect">
             <a:avLst/>

--- a/Simulation/MPC/Sunumlar/MPC_sunum_week44.pptx
+++ b/Simulation/MPC/Sunumlar/MPC_sunum_week44.pptx
@@ -270,7 +270,7 @@
           <a:p>
             <a:fld id="{F142C53B-C2C1-44E3-AC12-604A7FE2CADF}" type="datetimeFigureOut">
               <a:rPr lang="tr-TR" smtClean="0"/>
-              <a:t>1.11.2020</a:t>
+              <a:t>2.11.2020</a:t>
             </a:fld>
             <a:endParaRPr lang="tr-TR"/>
           </a:p>
@@ -468,7 +468,7 @@
           <a:p>
             <a:fld id="{F142C53B-C2C1-44E3-AC12-604A7FE2CADF}" type="datetimeFigureOut">
               <a:rPr lang="tr-TR" smtClean="0"/>
-              <a:t>1.11.2020</a:t>
+              <a:t>2.11.2020</a:t>
             </a:fld>
             <a:endParaRPr lang="tr-TR"/>
           </a:p>
@@ -676,7 +676,7 @@
           <a:p>
             <a:fld id="{F142C53B-C2C1-44E3-AC12-604A7FE2CADF}" type="datetimeFigureOut">
               <a:rPr lang="tr-TR" smtClean="0"/>
-              <a:t>1.11.2020</a:t>
+              <a:t>2.11.2020</a:t>
             </a:fld>
             <a:endParaRPr lang="tr-TR"/>
           </a:p>
@@ -874,7 +874,7 @@
           <a:p>
             <a:fld id="{F142C53B-C2C1-44E3-AC12-604A7FE2CADF}" type="datetimeFigureOut">
               <a:rPr lang="tr-TR" smtClean="0"/>
-              <a:t>1.11.2020</a:t>
+              <a:t>2.11.2020</a:t>
             </a:fld>
             <a:endParaRPr lang="tr-TR"/>
           </a:p>
@@ -1149,7 +1149,7 @@
           <a:p>
             <a:fld id="{F142C53B-C2C1-44E3-AC12-604A7FE2CADF}" type="datetimeFigureOut">
               <a:rPr lang="tr-TR" smtClean="0"/>
-              <a:t>1.11.2020</a:t>
+              <a:t>2.11.2020</a:t>
             </a:fld>
             <a:endParaRPr lang="tr-TR"/>
           </a:p>
@@ -1414,7 +1414,7 @@
           <a:p>
             <a:fld id="{F142C53B-C2C1-44E3-AC12-604A7FE2CADF}" type="datetimeFigureOut">
               <a:rPr lang="tr-TR" smtClean="0"/>
-              <a:t>1.11.2020</a:t>
+              <a:t>2.11.2020</a:t>
             </a:fld>
             <a:endParaRPr lang="tr-TR"/>
           </a:p>
@@ -1826,7 +1826,7 @@
           <a:p>
             <a:fld id="{F142C53B-C2C1-44E3-AC12-604A7FE2CADF}" type="datetimeFigureOut">
               <a:rPr lang="tr-TR" smtClean="0"/>
-              <a:t>1.11.2020</a:t>
+              <a:t>2.11.2020</a:t>
             </a:fld>
             <a:endParaRPr lang="tr-TR"/>
           </a:p>
@@ -1967,7 +1967,7 @@
           <a:p>
             <a:fld id="{F142C53B-C2C1-44E3-AC12-604A7FE2CADF}" type="datetimeFigureOut">
               <a:rPr lang="tr-TR" smtClean="0"/>
-              <a:t>1.11.2020</a:t>
+              <a:t>2.11.2020</a:t>
             </a:fld>
             <a:endParaRPr lang="tr-TR"/>
           </a:p>
@@ -2080,7 +2080,7 @@
           <a:p>
             <a:fld id="{F142C53B-C2C1-44E3-AC12-604A7FE2CADF}" type="datetimeFigureOut">
               <a:rPr lang="tr-TR" smtClean="0"/>
-              <a:t>1.11.2020</a:t>
+              <a:t>2.11.2020</a:t>
             </a:fld>
             <a:endParaRPr lang="tr-TR"/>
           </a:p>
@@ -2391,7 +2391,7 @@
           <a:p>
             <a:fld id="{F142C53B-C2C1-44E3-AC12-604A7FE2CADF}" type="datetimeFigureOut">
               <a:rPr lang="tr-TR" smtClean="0"/>
-              <a:t>1.11.2020</a:t>
+              <a:t>2.11.2020</a:t>
             </a:fld>
             <a:endParaRPr lang="tr-TR"/>
           </a:p>
@@ -2679,7 +2679,7 @@
           <a:p>
             <a:fld id="{F142C53B-C2C1-44E3-AC12-604A7FE2CADF}" type="datetimeFigureOut">
               <a:rPr lang="tr-TR" smtClean="0"/>
-              <a:t>1.11.2020</a:t>
+              <a:t>2.11.2020</a:t>
             </a:fld>
             <a:endParaRPr lang="tr-TR"/>
           </a:p>
@@ -2920,7 +2920,7 @@
           <a:p>
             <a:fld id="{F142C53B-C2C1-44E3-AC12-604A7FE2CADF}" type="datetimeFigureOut">
               <a:rPr lang="tr-TR" smtClean="0"/>
-              <a:t>1.11.2020</a:t>
+              <a:t>2.11.2020</a:t>
             </a:fld>
             <a:endParaRPr lang="tr-TR"/>
           </a:p>
@@ -3549,7 +3549,7 @@
             <p:ph idx="1"/>
             <p:extLst>
               <p:ext uri="{D42A27DB-BD31-4B8C-83A1-F6EECF244321}">
-                <p14:modId xmlns:p14="http://schemas.microsoft.com/office/powerpoint/2010/main" val="3145742646"/>
+                <p14:modId xmlns:p14="http://schemas.microsoft.com/office/powerpoint/2010/main" val="4194630279"/>
               </p:ext>
             </p:extLst>
           </p:nvPr>
@@ -3970,7 +3970,7 @@
                     <a:p>
                       <a:pPr algn="ctr" rtl="0" fontAlgn="b"/>
                       <a:r>
-                        <a:rPr lang="tr-TR">
+                        <a:rPr lang="tr-TR" dirty="0">
                           <a:effectLst/>
                         </a:rPr>
                         <a:t>76</a:t>
@@ -4219,7 +4219,7 @@
                     <a:p>
                       <a:pPr algn="ctr" rtl="0" fontAlgn="b"/>
                       <a:r>
-                        <a:rPr lang="tr-TR">
+                        <a:rPr lang="tr-TR" dirty="0">
                           <a:effectLst/>
                         </a:rPr>
                         <a:t>3,04</a:t>
@@ -4272,7 +4272,7 @@
                     <a:p>
                       <a:pPr algn="ctr" rtl="0" fontAlgn="b"/>
                       <a:r>
-                        <a:rPr lang="tr-TR">
+                        <a:rPr lang="tr-TR" dirty="0">
                           <a:effectLst/>
                         </a:rPr>
                         <a:t>3,5</a:t>
@@ -4337,9 +4337,12 @@
                         </a:rPr>
                         <a:t>Power</a:t>
                       </a:r>
-                      <a:endParaRPr lang="tr-TR" dirty="0">
-                        <a:effectLst/>
-                      </a:endParaRPr>
+                      <a:r>
+                        <a:rPr lang="tr-TR" dirty="0">
+                          <a:effectLst/>
+                        </a:rPr>
+                        <a:t> (W)</a:t>
+                      </a:r>
                     </a:p>
                   </a:txBody>
                   <a:tcPr marL="28575" marR="28575" marT="19050" marB="19050" anchor="b">
@@ -4557,7 +4560,7 @@
                         <a:rPr lang="tr-TR" dirty="0">
                           <a:effectLst/>
                         </a:rPr>
-                        <a:t> </a:t>
+                        <a:t> (%) </a:t>
                       </a:r>
                     </a:p>
                   </a:txBody>
